--- a/projectInfo/Design Docs/techdock.pptx
+++ b/projectInfo/Design Docs/techdock.pptx
@@ -4100,21 +4100,14 @@
           <a:p>
             <a:r>
               <a:rPr lang="en-US"/>
-              <a:t>First we had to make a user class</a:t>
+              <a:t>user authentication was done for us by eric</a:t>
             </a:r>
             <a:endParaRPr lang="en-US"/>
           </a:p>
           <a:p>
             <a:r>
               <a:rPr lang="en-US"/>
-              <a:t>then created a table containg user information like email, name</a:t>
-            </a:r>
-            <a:endParaRPr lang="en-US"/>
-          </a:p>
-          <a:p>
-            <a:r>
-              <a:rPr lang="en-US"/>
-              <a:t>we had made a admin_controller.rb which would redirect users if they are not signed in to the sign in or register</a:t>
+              <a:t>we were provided a admin_controller.rb which would redirect users if they are not signed in to the sign in or register</a:t>
             </a:r>
             <a:endParaRPr lang="en-US"/>
           </a:p>
